--- a/ppt 16-9/1308.新约圣经提要.pptx
+++ b/ppt 16-9/1308.新约圣经提要.pptx
@@ -129,7 +129,7 @@
           <p:cNvPr id="2" name="标题 1">
             <a:extLst>
               <a:ext uri="{FF2B5EF4-FFF2-40B4-BE49-F238E27FC236}">
-                <a16:creationId xmlns:a16="http://schemas.microsoft.com/office/drawing/2014/main" id="{F8394186-D995-DEEE-F35D-D58D5440F2B5}"/>
+                <a16:creationId xmlns:a16="http://schemas.microsoft.com/office/drawing/2014/main" id="{945BD9A8-84BD-66D1-F965-5405471FE6FE}"/>
               </a:ext>
             </a:extLst>
           </p:cNvPr>
@@ -166,7 +166,7 @@
           <p:cNvPr id="3" name="副标题 2">
             <a:extLst>
               <a:ext uri="{FF2B5EF4-FFF2-40B4-BE49-F238E27FC236}">
-                <a16:creationId xmlns:a16="http://schemas.microsoft.com/office/drawing/2014/main" id="{45D7D495-290E-312B-B361-FB973E61A406}"/>
+                <a16:creationId xmlns:a16="http://schemas.microsoft.com/office/drawing/2014/main" id="{EE2805E8-B39F-0E5E-E4F8-B2C0DA1B6340}"/>
               </a:ext>
             </a:extLst>
           </p:cNvPr>
@@ -236,7 +236,7 @@
           <p:cNvPr id="4" name="日期占位符 3">
             <a:extLst>
               <a:ext uri="{FF2B5EF4-FFF2-40B4-BE49-F238E27FC236}">
-                <a16:creationId xmlns:a16="http://schemas.microsoft.com/office/drawing/2014/main" id="{0E0FAA40-1756-8ECB-356A-67601E6D69AA}"/>
+                <a16:creationId xmlns:a16="http://schemas.microsoft.com/office/drawing/2014/main" id="{6E690F44-6525-4B07-81C0-C860DB2754A7}"/>
               </a:ext>
             </a:extLst>
           </p:cNvPr>
@@ -252,7 +252,7 @@
           <a:bodyPr/>
           <a:lstStyle/>
           <a:p>
-            <a:fld id="{6F983B52-73D4-4BCD-85B6-C2390CFBD652}" type="datetimeFigureOut">
+            <a:fld id="{D99A8537-7069-449B-BCB0-6E75D1D8FCBF}" type="datetimeFigureOut">
               <a:rPr lang="zh-CN" altLang="en-US" smtClean="0"/>
               <a:t>2024/3/10</a:t>
             </a:fld>
@@ -265,7 +265,7 @@
           <p:cNvPr id="5" name="页脚占位符 4">
             <a:extLst>
               <a:ext uri="{FF2B5EF4-FFF2-40B4-BE49-F238E27FC236}">
-                <a16:creationId xmlns:a16="http://schemas.microsoft.com/office/drawing/2014/main" id="{91BA4C9A-7157-0EFF-B8E6-47DF2A854F40}"/>
+                <a16:creationId xmlns:a16="http://schemas.microsoft.com/office/drawing/2014/main" id="{6E17F3A4-B2A6-1635-DB86-5004147ECA75}"/>
               </a:ext>
             </a:extLst>
           </p:cNvPr>
@@ -290,7 +290,7 @@
           <p:cNvPr id="6" name="灯片编号占位符 5">
             <a:extLst>
               <a:ext uri="{FF2B5EF4-FFF2-40B4-BE49-F238E27FC236}">
-                <a16:creationId xmlns:a16="http://schemas.microsoft.com/office/drawing/2014/main" id="{AEBFA774-B686-2FA0-44BF-B544C8DBECD9}"/>
+                <a16:creationId xmlns:a16="http://schemas.microsoft.com/office/drawing/2014/main" id="{8FD78C1F-91FA-5957-827E-871D79F0A1A0}"/>
               </a:ext>
             </a:extLst>
           </p:cNvPr>
@@ -306,7 +306,7 @@
           <a:bodyPr/>
           <a:lstStyle/>
           <a:p>
-            <a:fld id="{BCD61BA5-9506-4CA1-9E9A-48B9A5BF305E}" type="slidenum">
+            <a:fld id="{130193C8-E2B5-4FA5-B962-BD671F2AD59C}" type="slidenum">
               <a:rPr lang="zh-CN" altLang="en-US" smtClean="0"/>
               <a:t>‹#›</a:t>
             </a:fld>
@@ -317,7 +317,7 @@
     </p:spTree>
     <p:extLst>
       <p:ext uri="{BB962C8B-B14F-4D97-AF65-F5344CB8AC3E}">
-        <p14:creationId xmlns:p14="http://schemas.microsoft.com/office/powerpoint/2010/main" val="4051873361"/>
+        <p14:creationId xmlns:p14="http://schemas.microsoft.com/office/powerpoint/2010/main" val="3189012263"/>
       </p:ext>
     </p:extLst>
   </p:cSld>
@@ -349,7 +349,7 @@
           <p:cNvPr id="2" name="标题 1">
             <a:extLst>
               <a:ext uri="{FF2B5EF4-FFF2-40B4-BE49-F238E27FC236}">
-                <a16:creationId xmlns:a16="http://schemas.microsoft.com/office/drawing/2014/main" id="{7713B7CE-7311-0533-0EF0-B4F47E89F656}"/>
+                <a16:creationId xmlns:a16="http://schemas.microsoft.com/office/drawing/2014/main" id="{14DF8DD6-98C5-C5BA-44BB-8922CCD2B818}"/>
               </a:ext>
             </a:extLst>
           </p:cNvPr>
@@ -377,7 +377,7 @@
           <p:cNvPr id="3" name="竖排文字占位符 2">
             <a:extLst>
               <a:ext uri="{FF2B5EF4-FFF2-40B4-BE49-F238E27FC236}">
-                <a16:creationId xmlns:a16="http://schemas.microsoft.com/office/drawing/2014/main" id="{49D90CA2-9ADE-7CE0-A080-CA999AB497C5}"/>
+                <a16:creationId xmlns:a16="http://schemas.microsoft.com/office/drawing/2014/main" id="{C700DDFF-1F79-AE75-DBC5-7AF5EE8E3E8D}"/>
               </a:ext>
             </a:extLst>
           </p:cNvPr>
@@ -434,7 +434,7 @@
           <p:cNvPr id="4" name="日期占位符 3">
             <a:extLst>
               <a:ext uri="{FF2B5EF4-FFF2-40B4-BE49-F238E27FC236}">
-                <a16:creationId xmlns:a16="http://schemas.microsoft.com/office/drawing/2014/main" id="{BA1F68B1-55D1-1CC7-22F8-A45689ABED99}"/>
+                <a16:creationId xmlns:a16="http://schemas.microsoft.com/office/drawing/2014/main" id="{63F924AF-3B4B-5D93-FD31-A43AEE4F2719}"/>
               </a:ext>
             </a:extLst>
           </p:cNvPr>
@@ -450,7 +450,7 @@
           <a:bodyPr/>
           <a:lstStyle/>
           <a:p>
-            <a:fld id="{6F983B52-73D4-4BCD-85B6-C2390CFBD652}" type="datetimeFigureOut">
+            <a:fld id="{D99A8537-7069-449B-BCB0-6E75D1D8FCBF}" type="datetimeFigureOut">
               <a:rPr lang="zh-CN" altLang="en-US" smtClean="0"/>
               <a:t>2024/3/10</a:t>
             </a:fld>
@@ -463,7 +463,7 @@
           <p:cNvPr id="5" name="页脚占位符 4">
             <a:extLst>
               <a:ext uri="{FF2B5EF4-FFF2-40B4-BE49-F238E27FC236}">
-                <a16:creationId xmlns:a16="http://schemas.microsoft.com/office/drawing/2014/main" id="{97FB7EE4-6C7C-E835-4D4D-D76B93DE5FA0}"/>
+                <a16:creationId xmlns:a16="http://schemas.microsoft.com/office/drawing/2014/main" id="{B1605AD3-2783-3764-31D2-95270106332A}"/>
               </a:ext>
             </a:extLst>
           </p:cNvPr>
@@ -488,7 +488,7 @@
           <p:cNvPr id="6" name="灯片编号占位符 5">
             <a:extLst>
               <a:ext uri="{FF2B5EF4-FFF2-40B4-BE49-F238E27FC236}">
-                <a16:creationId xmlns:a16="http://schemas.microsoft.com/office/drawing/2014/main" id="{BB45A402-BD30-B744-A489-2E8BFC492AFF}"/>
+                <a16:creationId xmlns:a16="http://schemas.microsoft.com/office/drawing/2014/main" id="{692E39A2-F444-21C9-5150-D8BF2430F4C2}"/>
               </a:ext>
             </a:extLst>
           </p:cNvPr>
@@ -504,7 +504,7 @@
           <a:bodyPr/>
           <a:lstStyle/>
           <a:p>
-            <a:fld id="{BCD61BA5-9506-4CA1-9E9A-48B9A5BF305E}" type="slidenum">
+            <a:fld id="{130193C8-E2B5-4FA5-B962-BD671F2AD59C}" type="slidenum">
               <a:rPr lang="zh-CN" altLang="en-US" smtClean="0"/>
               <a:t>‹#›</a:t>
             </a:fld>
@@ -515,7 +515,7 @@
     </p:spTree>
     <p:extLst>
       <p:ext uri="{BB962C8B-B14F-4D97-AF65-F5344CB8AC3E}">
-        <p14:creationId xmlns:p14="http://schemas.microsoft.com/office/powerpoint/2010/main" val="4152310822"/>
+        <p14:creationId xmlns:p14="http://schemas.microsoft.com/office/powerpoint/2010/main" val="3775118229"/>
       </p:ext>
     </p:extLst>
   </p:cSld>
@@ -547,7 +547,7 @@
           <p:cNvPr id="2" name="竖排标题 1">
             <a:extLst>
               <a:ext uri="{FF2B5EF4-FFF2-40B4-BE49-F238E27FC236}">
-                <a16:creationId xmlns:a16="http://schemas.microsoft.com/office/drawing/2014/main" id="{EE4A5A7C-7F12-2BDB-554A-0C17EBC1A847}"/>
+                <a16:creationId xmlns:a16="http://schemas.microsoft.com/office/drawing/2014/main" id="{C08618B6-070F-BFBD-2353-947F4D2F0C9A}"/>
               </a:ext>
             </a:extLst>
           </p:cNvPr>
@@ -580,7 +580,7 @@
           <p:cNvPr id="3" name="竖排文字占位符 2">
             <a:extLst>
               <a:ext uri="{FF2B5EF4-FFF2-40B4-BE49-F238E27FC236}">
-                <a16:creationId xmlns:a16="http://schemas.microsoft.com/office/drawing/2014/main" id="{91F2F1B4-FE62-A96B-FFF8-D57EB6C13EFA}"/>
+                <a16:creationId xmlns:a16="http://schemas.microsoft.com/office/drawing/2014/main" id="{8D9F21BC-9D70-8070-7694-3AFDC522E7BF}"/>
               </a:ext>
             </a:extLst>
           </p:cNvPr>
@@ -642,7 +642,7 @@
           <p:cNvPr id="4" name="日期占位符 3">
             <a:extLst>
               <a:ext uri="{FF2B5EF4-FFF2-40B4-BE49-F238E27FC236}">
-                <a16:creationId xmlns:a16="http://schemas.microsoft.com/office/drawing/2014/main" id="{178DAFC0-5BEF-9EAD-B4A7-FB8165F1D8A8}"/>
+                <a16:creationId xmlns:a16="http://schemas.microsoft.com/office/drawing/2014/main" id="{917459DF-911B-C84D-A516-C9DC852FE0E9}"/>
               </a:ext>
             </a:extLst>
           </p:cNvPr>
@@ -658,7 +658,7 @@
           <a:bodyPr/>
           <a:lstStyle/>
           <a:p>
-            <a:fld id="{6F983B52-73D4-4BCD-85B6-C2390CFBD652}" type="datetimeFigureOut">
+            <a:fld id="{D99A8537-7069-449B-BCB0-6E75D1D8FCBF}" type="datetimeFigureOut">
               <a:rPr lang="zh-CN" altLang="en-US" smtClean="0"/>
               <a:t>2024/3/10</a:t>
             </a:fld>
@@ -671,7 +671,7 @@
           <p:cNvPr id="5" name="页脚占位符 4">
             <a:extLst>
               <a:ext uri="{FF2B5EF4-FFF2-40B4-BE49-F238E27FC236}">
-                <a16:creationId xmlns:a16="http://schemas.microsoft.com/office/drawing/2014/main" id="{142751DE-24BA-67A5-A8F3-2646F211E0CD}"/>
+                <a16:creationId xmlns:a16="http://schemas.microsoft.com/office/drawing/2014/main" id="{74B28854-9A08-B99B-E8BF-70D3C50555BF}"/>
               </a:ext>
             </a:extLst>
           </p:cNvPr>
@@ -696,7 +696,7 @@
           <p:cNvPr id="6" name="灯片编号占位符 5">
             <a:extLst>
               <a:ext uri="{FF2B5EF4-FFF2-40B4-BE49-F238E27FC236}">
-                <a16:creationId xmlns:a16="http://schemas.microsoft.com/office/drawing/2014/main" id="{8DDE2D32-B5FB-0C39-0399-9BE9FC4E9E16}"/>
+                <a16:creationId xmlns:a16="http://schemas.microsoft.com/office/drawing/2014/main" id="{90421E1E-1162-6F95-FBA3-BB684FC1CD43}"/>
               </a:ext>
             </a:extLst>
           </p:cNvPr>
@@ -712,7 +712,7 @@
           <a:bodyPr/>
           <a:lstStyle/>
           <a:p>
-            <a:fld id="{BCD61BA5-9506-4CA1-9E9A-48B9A5BF305E}" type="slidenum">
+            <a:fld id="{130193C8-E2B5-4FA5-B962-BD671F2AD59C}" type="slidenum">
               <a:rPr lang="zh-CN" altLang="en-US" smtClean="0"/>
               <a:t>‹#›</a:t>
             </a:fld>
@@ -723,7 +723,7 @@
     </p:spTree>
     <p:extLst>
       <p:ext uri="{BB962C8B-B14F-4D97-AF65-F5344CB8AC3E}">
-        <p14:creationId xmlns:p14="http://schemas.microsoft.com/office/powerpoint/2010/main" val="1099704231"/>
+        <p14:creationId xmlns:p14="http://schemas.microsoft.com/office/powerpoint/2010/main" val="2470854767"/>
       </p:ext>
     </p:extLst>
   </p:cSld>
@@ -755,7 +755,7 @@
           <p:cNvPr id="2" name="标题 1">
             <a:extLst>
               <a:ext uri="{FF2B5EF4-FFF2-40B4-BE49-F238E27FC236}">
-                <a16:creationId xmlns:a16="http://schemas.microsoft.com/office/drawing/2014/main" id="{42319B83-3794-7894-42FD-40ED33CB5A5B}"/>
+                <a16:creationId xmlns:a16="http://schemas.microsoft.com/office/drawing/2014/main" id="{CDFF3CE4-ECCF-2E99-A5D1-E0C22A7877E4}"/>
               </a:ext>
             </a:extLst>
           </p:cNvPr>
@@ -783,7 +783,7 @@
           <p:cNvPr id="3" name="内容占位符 2">
             <a:extLst>
               <a:ext uri="{FF2B5EF4-FFF2-40B4-BE49-F238E27FC236}">
-                <a16:creationId xmlns:a16="http://schemas.microsoft.com/office/drawing/2014/main" id="{E9820B6E-A8A9-8BD5-81B0-A83D36BC33B8}"/>
+                <a16:creationId xmlns:a16="http://schemas.microsoft.com/office/drawing/2014/main" id="{22781F28-ADB7-48DA-F886-5B53F61020D0}"/>
               </a:ext>
             </a:extLst>
           </p:cNvPr>
@@ -840,7 +840,7 @@
           <p:cNvPr id="4" name="日期占位符 3">
             <a:extLst>
               <a:ext uri="{FF2B5EF4-FFF2-40B4-BE49-F238E27FC236}">
-                <a16:creationId xmlns:a16="http://schemas.microsoft.com/office/drawing/2014/main" id="{3721D432-A5A3-8F63-F8B2-32DDC77DFDF9}"/>
+                <a16:creationId xmlns:a16="http://schemas.microsoft.com/office/drawing/2014/main" id="{EEF9AA93-91CD-70FB-45D2-C8846CE59FBC}"/>
               </a:ext>
             </a:extLst>
           </p:cNvPr>
@@ -856,7 +856,7 @@
           <a:bodyPr/>
           <a:lstStyle/>
           <a:p>
-            <a:fld id="{6F983B52-73D4-4BCD-85B6-C2390CFBD652}" type="datetimeFigureOut">
+            <a:fld id="{D99A8537-7069-449B-BCB0-6E75D1D8FCBF}" type="datetimeFigureOut">
               <a:rPr lang="zh-CN" altLang="en-US" smtClean="0"/>
               <a:t>2024/3/10</a:t>
             </a:fld>
@@ -869,7 +869,7 @@
           <p:cNvPr id="5" name="页脚占位符 4">
             <a:extLst>
               <a:ext uri="{FF2B5EF4-FFF2-40B4-BE49-F238E27FC236}">
-                <a16:creationId xmlns:a16="http://schemas.microsoft.com/office/drawing/2014/main" id="{815C6D83-7B27-50C5-3893-C8A1FF3FE47E}"/>
+                <a16:creationId xmlns:a16="http://schemas.microsoft.com/office/drawing/2014/main" id="{0894D9E0-5FAB-AAE4-C0F4-0A2BDB8A8B35}"/>
               </a:ext>
             </a:extLst>
           </p:cNvPr>
@@ -894,7 +894,7 @@
           <p:cNvPr id="6" name="灯片编号占位符 5">
             <a:extLst>
               <a:ext uri="{FF2B5EF4-FFF2-40B4-BE49-F238E27FC236}">
-                <a16:creationId xmlns:a16="http://schemas.microsoft.com/office/drawing/2014/main" id="{50D03E78-96FA-4680-DC4B-B7358E49C507}"/>
+                <a16:creationId xmlns:a16="http://schemas.microsoft.com/office/drawing/2014/main" id="{4A38E134-3E4E-B6BF-A722-7BD435455696}"/>
               </a:ext>
             </a:extLst>
           </p:cNvPr>
@@ -910,7 +910,7 @@
           <a:bodyPr/>
           <a:lstStyle/>
           <a:p>
-            <a:fld id="{BCD61BA5-9506-4CA1-9E9A-48B9A5BF305E}" type="slidenum">
+            <a:fld id="{130193C8-E2B5-4FA5-B962-BD671F2AD59C}" type="slidenum">
               <a:rPr lang="zh-CN" altLang="en-US" smtClean="0"/>
               <a:t>‹#›</a:t>
             </a:fld>
@@ -921,7 +921,7 @@
     </p:spTree>
     <p:extLst>
       <p:ext uri="{BB962C8B-B14F-4D97-AF65-F5344CB8AC3E}">
-        <p14:creationId xmlns:p14="http://schemas.microsoft.com/office/powerpoint/2010/main" val="4032335191"/>
+        <p14:creationId xmlns:p14="http://schemas.microsoft.com/office/powerpoint/2010/main" val="1400523738"/>
       </p:ext>
     </p:extLst>
   </p:cSld>
@@ -953,7 +953,7 @@
           <p:cNvPr id="2" name="标题 1">
             <a:extLst>
               <a:ext uri="{FF2B5EF4-FFF2-40B4-BE49-F238E27FC236}">
-                <a16:creationId xmlns:a16="http://schemas.microsoft.com/office/drawing/2014/main" id="{217D2520-4FCD-C3D2-FC1D-C2794EC01780}"/>
+                <a16:creationId xmlns:a16="http://schemas.microsoft.com/office/drawing/2014/main" id="{249624C6-36E9-15B4-E77B-A786BFB26623}"/>
               </a:ext>
             </a:extLst>
           </p:cNvPr>
@@ -990,7 +990,7 @@
           <p:cNvPr id="3" name="文本占位符 2">
             <a:extLst>
               <a:ext uri="{FF2B5EF4-FFF2-40B4-BE49-F238E27FC236}">
-                <a16:creationId xmlns:a16="http://schemas.microsoft.com/office/drawing/2014/main" id="{820062AE-A358-D2E7-3B70-D86C372827A0}"/>
+                <a16:creationId xmlns:a16="http://schemas.microsoft.com/office/drawing/2014/main" id="{9BEC2F2E-AEF4-FAC2-D506-B8B726508E15}"/>
               </a:ext>
             </a:extLst>
           </p:cNvPr>
@@ -1115,7 +1115,7 @@
           <p:cNvPr id="4" name="日期占位符 3">
             <a:extLst>
               <a:ext uri="{FF2B5EF4-FFF2-40B4-BE49-F238E27FC236}">
-                <a16:creationId xmlns:a16="http://schemas.microsoft.com/office/drawing/2014/main" id="{3FFAC574-DBBB-EEB9-5A6E-B87553570F55}"/>
+                <a16:creationId xmlns:a16="http://schemas.microsoft.com/office/drawing/2014/main" id="{4E2FA31D-7E4F-F16C-C4F9-40BDC4795B03}"/>
               </a:ext>
             </a:extLst>
           </p:cNvPr>
@@ -1131,7 +1131,7 @@
           <a:bodyPr/>
           <a:lstStyle/>
           <a:p>
-            <a:fld id="{6F983B52-73D4-4BCD-85B6-C2390CFBD652}" type="datetimeFigureOut">
+            <a:fld id="{D99A8537-7069-449B-BCB0-6E75D1D8FCBF}" type="datetimeFigureOut">
               <a:rPr lang="zh-CN" altLang="en-US" smtClean="0"/>
               <a:t>2024/3/10</a:t>
             </a:fld>
@@ -1144,7 +1144,7 @@
           <p:cNvPr id="5" name="页脚占位符 4">
             <a:extLst>
               <a:ext uri="{FF2B5EF4-FFF2-40B4-BE49-F238E27FC236}">
-                <a16:creationId xmlns:a16="http://schemas.microsoft.com/office/drawing/2014/main" id="{856D658E-E496-FD59-8CA1-54B3F08CCD68}"/>
+                <a16:creationId xmlns:a16="http://schemas.microsoft.com/office/drawing/2014/main" id="{5707F67B-18D5-F783-D246-C7C21A2FB4AC}"/>
               </a:ext>
             </a:extLst>
           </p:cNvPr>
@@ -1169,7 +1169,7 @@
           <p:cNvPr id="6" name="灯片编号占位符 5">
             <a:extLst>
               <a:ext uri="{FF2B5EF4-FFF2-40B4-BE49-F238E27FC236}">
-                <a16:creationId xmlns:a16="http://schemas.microsoft.com/office/drawing/2014/main" id="{412B4A0F-24F7-91B5-8ACD-2C0BF7577FBB}"/>
+                <a16:creationId xmlns:a16="http://schemas.microsoft.com/office/drawing/2014/main" id="{A05F72F2-7A8D-236A-5229-4E734759E809}"/>
               </a:ext>
             </a:extLst>
           </p:cNvPr>
@@ -1185,7 +1185,7 @@
           <a:bodyPr/>
           <a:lstStyle/>
           <a:p>
-            <a:fld id="{BCD61BA5-9506-4CA1-9E9A-48B9A5BF305E}" type="slidenum">
+            <a:fld id="{130193C8-E2B5-4FA5-B962-BD671F2AD59C}" type="slidenum">
               <a:rPr lang="zh-CN" altLang="en-US" smtClean="0"/>
               <a:t>‹#›</a:t>
             </a:fld>
@@ -1196,7 +1196,7 @@
     </p:spTree>
     <p:extLst>
       <p:ext uri="{BB962C8B-B14F-4D97-AF65-F5344CB8AC3E}">
-        <p14:creationId xmlns:p14="http://schemas.microsoft.com/office/powerpoint/2010/main" val="282560644"/>
+        <p14:creationId xmlns:p14="http://schemas.microsoft.com/office/powerpoint/2010/main" val="704815563"/>
       </p:ext>
     </p:extLst>
   </p:cSld>
@@ -1228,7 +1228,7 @@
           <p:cNvPr id="2" name="标题 1">
             <a:extLst>
               <a:ext uri="{FF2B5EF4-FFF2-40B4-BE49-F238E27FC236}">
-                <a16:creationId xmlns:a16="http://schemas.microsoft.com/office/drawing/2014/main" id="{1B7405C8-147E-64C8-B5BD-84185786AF42}"/>
+                <a16:creationId xmlns:a16="http://schemas.microsoft.com/office/drawing/2014/main" id="{A7DC9B83-467B-BC19-A6F3-954B4B926877}"/>
               </a:ext>
             </a:extLst>
           </p:cNvPr>
@@ -1256,7 +1256,7 @@
           <p:cNvPr id="3" name="内容占位符 2">
             <a:extLst>
               <a:ext uri="{FF2B5EF4-FFF2-40B4-BE49-F238E27FC236}">
-                <a16:creationId xmlns:a16="http://schemas.microsoft.com/office/drawing/2014/main" id="{C7FF2EA2-5052-36D8-33BC-8392FD5CABD9}"/>
+                <a16:creationId xmlns:a16="http://schemas.microsoft.com/office/drawing/2014/main" id="{3160BCCB-758F-5B9B-29A8-335E2AFFD1E7}"/>
               </a:ext>
             </a:extLst>
           </p:cNvPr>
@@ -1318,7 +1318,7 @@
           <p:cNvPr id="4" name="内容占位符 3">
             <a:extLst>
               <a:ext uri="{FF2B5EF4-FFF2-40B4-BE49-F238E27FC236}">
-                <a16:creationId xmlns:a16="http://schemas.microsoft.com/office/drawing/2014/main" id="{3A5BE393-2659-1E8A-9634-118F10467A91}"/>
+                <a16:creationId xmlns:a16="http://schemas.microsoft.com/office/drawing/2014/main" id="{B41AE68D-9060-F1A9-46A5-C294A1CAD2F5}"/>
               </a:ext>
             </a:extLst>
           </p:cNvPr>
@@ -1380,7 +1380,7 @@
           <p:cNvPr id="5" name="日期占位符 4">
             <a:extLst>
               <a:ext uri="{FF2B5EF4-FFF2-40B4-BE49-F238E27FC236}">
-                <a16:creationId xmlns:a16="http://schemas.microsoft.com/office/drawing/2014/main" id="{F09612A8-5BDE-F268-B852-367B6E9C1CCC}"/>
+                <a16:creationId xmlns:a16="http://schemas.microsoft.com/office/drawing/2014/main" id="{51F3C6CA-5A29-FF94-8BF3-6A9290C88291}"/>
               </a:ext>
             </a:extLst>
           </p:cNvPr>
@@ -1396,7 +1396,7 @@
           <a:bodyPr/>
           <a:lstStyle/>
           <a:p>
-            <a:fld id="{6F983B52-73D4-4BCD-85B6-C2390CFBD652}" type="datetimeFigureOut">
+            <a:fld id="{D99A8537-7069-449B-BCB0-6E75D1D8FCBF}" type="datetimeFigureOut">
               <a:rPr lang="zh-CN" altLang="en-US" smtClean="0"/>
               <a:t>2024/3/10</a:t>
             </a:fld>
@@ -1409,7 +1409,7 @@
           <p:cNvPr id="6" name="页脚占位符 5">
             <a:extLst>
               <a:ext uri="{FF2B5EF4-FFF2-40B4-BE49-F238E27FC236}">
-                <a16:creationId xmlns:a16="http://schemas.microsoft.com/office/drawing/2014/main" id="{60E07160-DA01-B244-6A3A-6E0D0D0539F3}"/>
+                <a16:creationId xmlns:a16="http://schemas.microsoft.com/office/drawing/2014/main" id="{D3FB2745-3062-A13E-6C66-EF47D4D14349}"/>
               </a:ext>
             </a:extLst>
           </p:cNvPr>
@@ -1434,7 +1434,7 @@
           <p:cNvPr id="7" name="灯片编号占位符 6">
             <a:extLst>
               <a:ext uri="{FF2B5EF4-FFF2-40B4-BE49-F238E27FC236}">
-                <a16:creationId xmlns:a16="http://schemas.microsoft.com/office/drawing/2014/main" id="{1EDEDD58-5E98-A2CE-4540-E8086B68C23C}"/>
+                <a16:creationId xmlns:a16="http://schemas.microsoft.com/office/drawing/2014/main" id="{432CFE4C-2550-3F8E-95C8-94D49FBCA211}"/>
               </a:ext>
             </a:extLst>
           </p:cNvPr>
@@ -1450,7 +1450,7 @@
           <a:bodyPr/>
           <a:lstStyle/>
           <a:p>
-            <a:fld id="{BCD61BA5-9506-4CA1-9E9A-48B9A5BF305E}" type="slidenum">
+            <a:fld id="{130193C8-E2B5-4FA5-B962-BD671F2AD59C}" type="slidenum">
               <a:rPr lang="zh-CN" altLang="en-US" smtClean="0"/>
               <a:t>‹#›</a:t>
             </a:fld>
@@ -1461,7 +1461,7 @@
     </p:spTree>
     <p:extLst>
       <p:ext uri="{BB962C8B-B14F-4D97-AF65-F5344CB8AC3E}">
-        <p14:creationId xmlns:p14="http://schemas.microsoft.com/office/powerpoint/2010/main" val="2009308824"/>
+        <p14:creationId xmlns:p14="http://schemas.microsoft.com/office/powerpoint/2010/main" val="950823385"/>
       </p:ext>
     </p:extLst>
   </p:cSld>
@@ -1493,7 +1493,7 @@
           <p:cNvPr id="2" name="标题 1">
             <a:extLst>
               <a:ext uri="{FF2B5EF4-FFF2-40B4-BE49-F238E27FC236}">
-                <a16:creationId xmlns:a16="http://schemas.microsoft.com/office/drawing/2014/main" id="{DFBCE4EE-12B1-313E-2F79-C607EC76EC95}"/>
+                <a16:creationId xmlns:a16="http://schemas.microsoft.com/office/drawing/2014/main" id="{4AE9A666-A58E-1150-7114-53E796798102}"/>
               </a:ext>
             </a:extLst>
           </p:cNvPr>
@@ -1526,7 +1526,7 @@
           <p:cNvPr id="3" name="文本占位符 2">
             <a:extLst>
               <a:ext uri="{FF2B5EF4-FFF2-40B4-BE49-F238E27FC236}">
-                <a16:creationId xmlns:a16="http://schemas.microsoft.com/office/drawing/2014/main" id="{8836A002-C80B-6653-3B5D-3CFA5E23B646}"/>
+                <a16:creationId xmlns:a16="http://schemas.microsoft.com/office/drawing/2014/main" id="{1FA649E9-A608-A4AD-56E3-C88E88B413EA}"/>
               </a:ext>
             </a:extLst>
           </p:cNvPr>
@@ -1597,7 +1597,7 @@
           <p:cNvPr id="4" name="内容占位符 3">
             <a:extLst>
               <a:ext uri="{FF2B5EF4-FFF2-40B4-BE49-F238E27FC236}">
-                <a16:creationId xmlns:a16="http://schemas.microsoft.com/office/drawing/2014/main" id="{3622B3D7-566B-D00F-80AC-27BD5A99A0B2}"/>
+                <a16:creationId xmlns:a16="http://schemas.microsoft.com/office/drawing/2014/main" id="{108580ED-8951-5FB7-8C9E-9E35A86641C3}"/>
               </a:ext>
             </a:extLst>
           </p:cNvPr>
@@ -1659,7 +1659,7 @@
           <p:cNvPr id="5" name="文本占位符 4">
             <a:extLst>
               <a:ext uri="{FF2B5EF4-FFF2-40B4-BE49-F238E27FC236}">
-                <a16:creationId xmlns:a16="http://schemas.microsoft.com/office/drawing/2014/main" id="{E42E18A0-28D8-3315-964E-8DC3B2EC6677}"/>
+                <a16:creationId xmlns:a16="http://schemas.microsoft.com/office/drawing/2014/main" id="{F6C03A42-B1A0-EFB1-6B6A-DE7ACB2E0C6D}"/>
               </a:ext>
             </a:extLst>
           </p:cNvPr>
@@ -1730,7 +1730,7 @@
           <p:cNvPr id="6" name="内容占位符 5">
             <a:extLst>
               <a:ext uri="{FF2B5EF4-FFF2-40B4-BE49-F238E27FC236}">
-                <a16:creationId xmlns:a16="http://schemas.microsoft.com/office/drawing/2014/main" id="{3A80DDF6-0E20-51F3-5AFD-E2CF7B0B51D2}"/>
+                <a16:creationId xmlns:a16="http://schemas.microsoft.com/office/drawing/2014/main" id="{161BCAB3-A538-0E23-1A7D-432831EE1919}"/>
               </a:ext>
             </a:extLst>
           </p:cNvPr>
@@ -1792,7 +1792,7 @@
           <p:cNvPr id="7" name="日期占位符 6">
             <a:extLst>
               <a:ext uri="{FF2B5EF4-FFF2-40B4-BE49-F238E27FC236}">
-                <a16:creationId xmlns:a16="http://schemas.microsoft.com/office/drawing/2014/main" id="{432C707B-3E10-065E-F91A-DF9F02FBC112}"/>
+                <a16:creationId xmlns:a16="http://schemas.microsoft.com/office/drawing/2014/main" id="{F9CE9798-23D7-0751-ECA2-2B037CBCEF02}"/>
               </a:ext>
             </a:extLst>
           </p:cNvPr>
@@ -1808,7 +1808,7 @@
           <a:bodyPr/>
           <a:lstStyle/>
           <a:p>
-            <a:fld id="{6F983B52-73D4-4BCD-85B6-C2390CFBD652}" type="datetimeFigureOut">
+            <a:fld id="{D99A8537-7069-449B-BCB0-6E75D1D8FCBF}" type="datetimeFigureOut">
               <a:rPr lang="zh-CN" altLang="en-US" smtClean="0"/>
               <a:t>2024/3/10</a:t>
             </a:fld>
@@ -1821,7 +1821,7 @@
           <p:cNvPr id="8" name="页脚占位符 7">
             <a:extLst>
               <a:ext uri="{FF2B5EF4-FFF2-40B4-BE49-F238E27FC236}">
-                <a16:creationId xmlns:a16="http://schemas.microsoft.com/office/drawing/2014/main" id="{FB4895A0-6E6A-0335-A908-7E9DDCA74C34}"/>
+                <a16:creationId xmlns:a16="http://schemas.microsoft.com/office/drawing/2014/main" id="{F5CCFD2B-EBCB-4831-CE96-3296CF875CFD}"/>
               </a:ext>
             </a:extLst>
           </p:cNvPr>
@@ -1846,7 +1846,7 @@
           <p:cNvPr id="9" name="灯片编号占位符 8">
             <a:extLst>
               <a:ext uri="{FF2B5EF4-FFF2-40B4-BE49-F238E27FC236}">
-                <a16:creationId xmlns:a16="http://schemas.microsoft.com/office/drawing/2014/main" id="{66CFD313-859D-E288-9FF4-0AD765249818}"/>
+                <a16:creationId xmlns:a16="http://schemas.microsoft.com/office/drawing/2014/main" id="{FFFB122C-1D90-EB32-FBE0-FC38D4D62106}"/>
               </a:ext>
             </a:extLst>
           </p:cNvPr>
@@ -1862,7 +1862,7 @@
           <a:bodyPr/>
           <a:lstStyle/>
           <a:p>
-            <a:fld id="{BCD61BA5-9506-4CA1-9E9A-48B9A5BF305E}" type="slidenum">
+            <a:fld id="{130193C8-E2B5-4FA5-B962-BD671F2AD59C}" type="slidenum">
               <a:rPr lang="zh-CN" altLang="en-US" smtClean="0"/>
               <a:t>‹#›</a:t>
             </a:fld>
@@ -1873,7 +1873,7 @@
     </p:spTree>
     <p:extLst>
       <p:ext uri="{BB962C8B-B14F-4D97-AF65-F5344CB8AC3E}">
-        <p14:creationId xmlns:p14="http://schemas.microsoft.com/office/powerpoint/2010/main" val="150537177"/>
+        <p14:creationId xmlns:p14="http://schemas.microsoft.com/office/powerpoint/2010/main" val="2095773374"/>
       </p:ext>
     </p:extLst>
   </p:cSld>
@@ -1905,7 +1905,7 @@
           <p:cNvPr id="2" name="标题 1">
             <a:extLst>
               <a:ext uri="{FF2B5EF4-FFF2-40B4-BE49-F238E27FC236}">
-                <a16:creationId xmlns:a16="http://schemas.microsoft.com/office/drawing/2014/main" id="{2D278127-0F98-926E-1B3E-BF21B92F872A}"/>
+                <a16:creationId xmlns:a16="http://schemas.microsoft.com/office/drawing/2014/main" id="{87AADBE2-FB39-9C6F-DC7D-F9D1A24776BE}"/>
               </a:ext>
             </a:extLst>
           </p:cNvPr>
@@ -1933,7 +1933,7 @@
           <p:cNvPr id="3" name="日期占位符 2">
             <a:extLst>
               <a:ext uri="{FF2B5EF4-FFF2-40B4-BE49-F238E27FC236}">
-                <a16:creationId xmlns:a16="http://schemas.microsoft.com/office/drawing/2014/main" id="{686BB32D-C854-DA6A-1CAA-A8BB8BEAB9CF}"/>
+                <a16:creationId xmlns:a16="http://schemas.microsoft.com/office/drawing/2014/main" id="{116D26AD-9E1D-95F0-867D-29BFDCD74195}"/>
               </a:ext>
             </a:extLst>
           </p:cNvPr>
@@ -1949,7 +1949,7 @@
           <a:bodyPr/>
           <a:lstStyle/>
           <a:p>
-            <a:fld id="{6F983B52-73D4-4BCD-85B6-C2390CFBD652}" type="datetimeFigureOut">
+            <a:fld id="{D99A8537-7069-449B-BCB0-6E75D1D8FCBF}" type="datetimeFigureOut">
               <a:rPr lang="zh-CN" altLang="en-US" smtClean="0"/>
               <a:t>2024/3/10</a:t>
             </a:fld>
@@ -1962,7 +1962,7 @@
           <p:cNvPr id="4" name="页脚占位符 3">
             <a:extLst>
               <a:ext uri="{FF2B5EF4-FFF2-40B4-BE49-F238E27FC236}">
-                <a16:creationId xmlns:a16="http://schemas.microsoft.com/office/drawing/2014/main" id="{8B56A95B-0375-B1E3-D765-CA75FB7FC2D9}"/>
+                <a16:creationId xmlns:a16="http://schemas.microsoft.com/office/drawing/2014/main" id="{F07FEB6E-E5D9-7456-CB3D-E6D40A91EAE6}"/>
               </a:ext>
             </a:extLst>
           </p:cNvPr>
@@ -1987,7 +1987,7 @@
           <p:cNvPr id="5" name="灯片编号占位符 4">
             <a:extLst>
               <a:ext uri="{FF2B5EF4-FFF2-40B4-BE49-F238E27FC236}">
-                <a16:creationId xmlns:a16="http://schemas.microsoft.com/office/drawing/2014/main" id="{939487E7-8EFC-F5F2-66C4-422A761C072C}"/>
+                <a16:creationId xmlns:a16="http://schemas.microsoft.com/office/drawing/2014/main" id="{6427A24F-D216-2F0C-8D96-70F73D5354F5}"/>
               </a:ext>
             </a:extLst>
           </p:cNvPr>
@@ -2003,7 +2003,7 @@
           <a:bodyPr/>
           <a:lstStyle/>
           <a:p>
-            <a:fld id="{BCD61BA5-9506-4CA1-9E9A-48B9A5BF305E}" type="slidenum">
+            <a:fld id="{130193C8-E2B5-4FA5-B962-BD671F2AD59C}" type="slidenum">
               <a:rPr lang="zh-CN" altLang="en-US" smtClean="0"/>
               <a:t>‹#›</a:t>
             </a:fld>
@@ -2014,7 +2014,7 @@
     </p:spTree>
     <p:extLst>
       <p:ext uri="{BB962C8B-B14F-4D97-AF65-F5344CB8AC3E}">
-        <p14:creationId xmlns:p14="http://schemas.microsoft.com/office/powerpoint/2010/main" val="971674190"/>
+        <p14:creationId xmlns:p14="http://schemas.microsoft.com/office/powerpoint/2010/main" val="2110514913"/>
       </p:ext>
     </p:extLst>
   </p:cSld>
@@ -2046,7 +2046,7 @@
           <p:cNvPr id="2" name="日期占位符 1">
             <a:extLst>
               <a:ext uri="{FF2B5EF4-FFF2-40B4-BE49-F238E27FC236}">
-                <a16:creationId xmlns:a16="http://schemas.microsoft.com/office/drawing/2014/main" id="{B0F06B36-A6DA-FBA1-BCCB-F517C6DAD09E}"/>
+                <a16:creationId xmlns:a16="http://schemas.microsoft.com/office/drawing/2014/main" id="{A9F24D68-ED9C-D2B5-3AEC-1B7F2819919B}"/>
               </a:ext>
             </a:extLst>
           </p:cNvPr>
@@ -2062,7 +2062,7 @@
           <a:bodyPr/>
           <a:lstStyle/>
           <a:p>
-            <a:fld id="{6F983B52-73D4-4BCD-85B6-C2390CFBD652}" type="datetimeFigureOut">
+            <a:fld id="{D99A8537-7069-449B-BCB0-6E75D1D8FCBF}" type="datetimeFigureOut">
               <a:rPr lang="zh-CN" altLang="en-US" smtClean="0"/>
               <a:t>2024/3/10</a:t>
             </a:fld>
@@ -2075,7 +2075,7 @@
           <p:cNvPr id="3" name="页脚占位符 2">
             <a:extLst>
               <a:ext uri="{FF2B5EF4-FFF2-40B4-BE49-F238E27FC236}">
-                <a16:creationId xmlns:a16="http://schemas.microsoft.com/office/drawing/2014/main" id="{A79C9B46-56EB-3FEE-FBA7-42451552EA35}"/>
+                <a16:creationId xmlns:a16="http://schemas.microsoft.com/office/drawing/2014/main" id="{2D318173-33A8-EEF2-FF93-BC0BD2FD6FE1}"/>
               </a:ext>
             </a:extLst>
           </p:cNvPr>
@@ -2100,7 +2100,7 @@
           <p:cNvPr id="4" name="灯片编号占位符 3">
             <a:extLst>
               <a:ext uri="{FF2B5EF4-FFF2-40B4-BE49-F238E27FC236}">
-                <a16:creationId xmlns:a16="http://schemas.microsoft.com/office/drawing/2014/main" id="{2E58E168-A621-B3A5-839E-FBFA547F042E}"/>
+                <a16:creationId xmlns:a16="http://schemas.microsoft.com/office/drawing/2014/main" id="{1AB5F433-F9AD-90B7-8720-0AC94F55D849}"/>
               </a:ext>
             </a:extLst>
           </p:cNvPr>
@@ -2116,7 +2116,7 @@
           <a:bodyPr/>
           <a:lstStyle/>
           <a:p>
-            <a:fld id="{BCD61BA5-9506-4CA1-9E9A-48B9A5BF305E}" type="slidenum">
+            <a:fld id="{130193C8-E2B5-4FA5-B962-BD671F2AD59C}" type="slidenum">
               <a:rPr lang="zh-CN" altLang="en-US" smtClean="0"/>
               <a:t>‹#›</a:t>
             </a:fld>
@@ -2127,7 +2127,7 @@
     </p:spTree>
     <p:extLst>
       <p:ext uri="{BB962C8B-B14F-4D97-AF65-F5344CB8AC3E}">
-        <p14:creationId xmlns:p14="http://schemas.microsoft.com/office/powerpoint/2010/main" val="1128526899"/>
+        <p14:creationId xmlns:p14="http://schemas.microsoft.com/office/powerpoint/2010/main" val="509816817"/>
       </p:ext>
     </p:extLst>
   </p:cSld>
@@ -2159,7 +2159,7 @@
           <p:cNvPr id="2" name="标题 1">
             <a:extLst>
               <a:ext uri="{FF2B5EF4-FFF2-40B4-BE49-F238E27FC236}">
-                <a16:creationId xmlns:a16="http://schemas.microsoft.com/office/drawing/2014/main" id="{726FB823-A386-385C-94A4-BF77A87A12C9}"/>
+                <a16:creationId xmlns:a16="http://schemas.microsoft.com/office/drawing/2014/main" id="{5E17F609-93BC-0560-DA3A-22767B9070DB}"/>
               </a:ext>
             </a:extLst>
           </p:cNvPr>
@@ -2196,7 +2196,7 @@
           <p:cNvPr id="3" name="内容占位符 2">
             <a:extLst>
               <a:ext uri="{FF2B5EF4-FFF2-40B4-BE49-F238E27FC236}">
-                <a16:creationId xmlns:a16="http://schemas.microsoft.com/office/drawing/2014/main" id="{B183618F-0817-4640-8ADC-7906E8E0C504}"/>
+                <a16:creationId xmlns:a16="http://schemas.microsoft.com/office/drawing/2014/main" id="{D1D5FC88-24B4-58B9-02E1-7810CAA3E55E}"/>
               </a:ext>
             </a:extLst>
           </p:cNvPr>
@@ -2286,7 +2286,7 @@
           <p:cNvPr id="4" name="文本占位符 3">
             <a:extLst>
               <a:ext uri="{FF2B5EF4-FFF2-40B4-BE49-F238E27FC236}">
-                <a16:creationId xmlns:a16="http://schemas.microsoft.com/office/drawing/2014/main" id="{4E049A4E-9A3F-E45A-7947-49B26F268806}"/>
+                <a16:creationId xmlns:a16="http://schemas.microsoft.com/office/drawing/2014/main" id="{0BAB3985-C845-9149-FA96-B2C8F3120DE8}"/>
               </a:ext>
             </a:extLst>
           </p:cNvPr>
@@ -2357,7 +2357,7 @@
           <p:cNvPr id="5" name="日期占位符 4">
             <a:extLst>
               <a:ext uri="{FF2B5EF4-FFF2-40B4-BE49-F238E27FC236}">
-                <a16:creationId xmlns:a16="http://schemas.microsoft.com/office/drawing/2014/main" id="{9941C581-C2B8-7E49-4EDE-062B56167AE9}"/>
+                <a16:creationId xmlns:a16="http://schemas.microsoft.com/office/drawing/2014/main" id="{AD501356-0DC0-9B6F-2178-99D94BE71008}"/>
               </a:ext>
             </a:extLst>
           </p:cNvPr>
@@ -2373,7 +2373,7 @@
           <a:bodyPr/>
           <a:lstStyle/>
           <a:p>
-            <a:fld id="{6F983B52-73D4-4BCD-85B6-C2390CFBD652}" type="datetimeFigureOut">
+            <a:fld id="{D99A8537-7069-449B-BCB0-6E75D1D8FCBF}" type="datetimeFigureOut">
               <a:rPr lang="zh-CN" altLang="en-US" smtClean="0"/>
               <a:t>2024/3/10</a:t>
             </a:fld>
@@ -2386,7 +2386,7 @@
           <p:cNvPr id="6" name="页脚占位符 5">
             <a:extLst>
               <a:ext uri="{FF2B5EF4-FFF2-40B4-BE49-F238E27FC236}">
-                <a16:creationId xmlns:a16="http://schemas.microsoft.com/office/drawing/2014/main" id="{B30F2DD2-BCFB-4E80-2441-801D86C6BADD}"/>
+                <a16:creationId xmlns:a16="http://schemas.microsoft.com/office/drawing/2014/main" id="{98A1758F-E452-DD46-ECC2-C65A334CA1E3}"/>
               </a:ext>
             </a:extLst>
           </p:cNvPr>
@@ -2411,7 +2411,7 @@
           <p:cNvPr id="7" name="灯片编号占位符 6">
             <a:extLst>
               <a:ext uri="{FF2B5EF4-FFF2-40B4-BE49-F238E27FC236}">
-                <a16:creationId xmlns:a16="http://schemas.microsoft.com/office/drawing/2014/main" id="{0638464B-F307-0353-FF9E-2A0C6C877E85}"/>
+                <a16:creationId xmlns:a16="http://schemas.microsoft.com/office/drawing/2014/main" id="{39BCC58A-738D-0295-F35C-94F639F518ED}"/>
               </a:ext>
             </a:extLst>
           </p:cNvPr>
@@ -2427,7 +2427,7 @@
           <a:bodyPr/>
           <a:lstStyle/>
           <a:p>
-            <a:fld id="{BCD61BA5-9506-4CA1-9E9A-48B9A5BF305E}" type="slidenum">
+            <a:fld id="{130193C8-E2B5-4FA5-B962-BD671F2AD59C}" type="slidenum">
               <a:rPr lang="zh-CN" altLang="en-US" smtClean="0"/>
               <a:t>‹#›</a:t>
             </a:fld>
@@ -2438,7 +2438,7 @@
     </p:spTree>
     <p:extLst>
       <p:ext uri="{BB962C8B-B14F-4D97-AF65-F5344CB8AC3E}">
-        <p14:creationId xmlns:p14="http://schemas.microsoft.com/office/powerpoint/2010/main" val="2436923497"/>
+        <p14:creationId xmlns:p14="http://schemas.microsoft.com/office/powerpoint/2010/main" val="534751169"/>
       </p:ext>
     </p:extLst>
   </p:cSld>
@@ -2470,7 +2470,7 @@
           <p:cNvPr id="2" name="标题 1">
             <a:extLst>
               <a:ext uri="{FF2B5EF4-FFF2-40B4-BE49-F238E27FC236}">
-                <a16:creationId xmlns:a16="http://schemas.microsoft.com/office/drawing/2014/main" id="{2D38AA68-A2A6-9B17-C3B9-DC79774B69C3}"/>
+                <a16:creationId xmlns:a16="http://schemas.microsoft.com/office/drawing/2014/main" id="{994B9203-0968-EDBA-484C-C2B178F248CA}"/>
               </a:ext>
             </a:extLst>
           </p:cNvPr>
@@ -2507,7 +2507,7 @@
           <p:cNvPr id="3" name="图片占位符 2">
             <a:extLst>
               <a:ext uri="{FF2B5EF4-FFF2-40B4-BE49-F238E27FC236}">
-                <a16:creationId xmlns:a16="http://schemas.microsoft.com/office/drawing/2014/main" id="{3B4A2C0F-2B3C-8DDC-4CF5-B775495A841B}"/>
+                <a16:creationId xmlns:a16="http://schemas.microsoft.com/office/drawing/2014/main" id="{EE5BF072-E505-15F4-5300-96E6067E0BBD}"/>
               </a:ext>
             </a:extLst>
           </p:cNvPr>
@@ -2574,7 +2574,7 @@
           <p:cNvPr id="4" name="文本占位符 3">
             <a:extLst>
               <a:ext uri="{FF2B5EF4-FFF2-40B4-BE49-F238E27FC236}">
-                <a16:creationId xmlns:a16="http://schemas.microsoft.com/office/drawing/2014/main" id="{3DF9773F-170E-331C-5046-599866A37E7A}"/>
+                <a16:creationId xmlns:a16="http://schemas.microsoft.com/office/drawing/2014/main" id="{77641173-FF49-60D6-893C-A3FD51EBD3FD}"/>
               </a:ext>
             </a:extLst>
           </p:cNvPr>
@@ -2645,7 +2645,7 @@
           <p:cNvPr id="5" name="日期占位符 4">
             <a:extLst>
               <a:ext uri="{FF2B5EF4-FFF2-40B4-BE49-F238E27FC236}">
-                <a16:creationId xmlns:a16="http://schemas.microsoft.com/office/drawing/2014/main" id="{8E84524E-C038-D01C-B168-48127B0E6E6D}"/>
+                <a16:creationId xmlns:a16="http://schemas.microsoft.com/office/drawing/2014/main" id="{85B10BCB-106F-300D-6D35-45592BB007A7}"/>
               </a:ext>
             </a:extLst>
           </p:cNvPr>
@@ -2661,7 +2661,7 @@
           <a:bodyPr/>
           <a:lstStyle/>
           <a:p>
-            <a:fld id="{6F983B52-73D4-4BCD-85B6-C2390CFBD652}" type="datetimeFigureOut">
+            <a:fld id="{D99A8537-7069-449B-BCB0-6E75D1D8FCBF}" type="datetimeFigureOut">
               <a:rPr lang="zh-CN" altLang="en-US" smtClean="0"/>
               <a:t>2024/3/10</a:t>
             </a:fld>
@@ -2674,7 +2674,7 @@
           <p:cNvPr id="6" name="页脚占位符 5">
             <a:extLst>
               <a:ext uri="{FF2B5EF4-FFF2-40B4-BE49-F238E27FC236}">
-                <a16:creationId xmlns:a16="http://schemas.microsoft.com/office/drawing/2014/main" id="{E82E050F-6089-EBE1-A6E4-E9C2627890BC}"/>
+                <a16:creationId xmlns:a16="http://schemas.microsoft.com/office/drawing/2014/main" id="{AD1A56ED-8772-1514-CAAF-C444F467CBDC}"/>
               </a:ext>
             </a:extLst>
           </p:cNvPr>
@@ -2699,7 +2699,7 @@
           <p:cNvPr id="7" name="灯片编号占位符 6">
             <a:extLst>
               <a:ext uri="{FF2B5EF4-FFF2-40B4-BE49-F238E27FC236}">
-                <a16:creationId xmlns:a16="http://schemas.microsoft.com/office/drawing/2014/main" id="{E538A229-1684-657A-3E7D-4FD2C82AE03B}"/>
+                <a16:creationId xmlns:a16="http://schemas.microsoft.com/office/drawing/2014/main" id="{ED226985-6ACB-B90D-14CD-CFB5DF666EB5}"/>
               </a:ext>
             </a:extLst>
           </p:cNvPr>
@@ -2715,7 +2715,7 @@
           <a:bodyPr/>
           <a:lstStyle/>
           <a:p>
-            <a:fld id="{BCD61BA5-9506-4CA1-9E9A-48B9A5BF305E}" type="slidenum">
+            <a:fld id="{130193C8-E2B5-4FA5-B962-BD671F2AD59C}" type="slidenum">
               <a:rPr lang="zh-CN" altLang="en-US" smtClean="0"/>
               <a:t>‹#›</a:t>
             </a:fld>
@@ -2726,7 +2726,7 @@
     </p:spTree>
     <p:extLst>
       <p:ext uri="{BB962C8B-B14F-4D97-AF65-F5344CB8AC3E}">
-        <p14:creationId xmlns:p14="http://schemas.microsoft.com/office/powerpoint/2010/main" val="3652765052"/>
+        <p14:creationId xmlns:p14="http://schemas.microsoft.com/office/powerpoint/2010/main" val="2833956072"/>
       </p:ext>
     </p:extLst>
   </p:cSld>
@@ -2763,7 +2763,7 @@
           <p:cNvPr id="2" name="标题占位符 1">
             <a:extLst>
               <a:ext uri="{FF2B5EF4-FFF2-40B4-BE49-F238E27FC236}">
-                <a16:creationId xmlns:a16="http://schemas.microsoft.com/office/drawing/2014/main" id="{1AC42A00-CDA3-66D2-EEE7-7AE9E0B37DD9}"/>
+                <a16:creationId xmlns:a16="http://schemas.microsoft.com/office/drawing/2014/main" id="{C1D2E535-B472-F5FD-227A-8D6EAFCC4D89}"/>
               </a:ext>
             </a:extLst>
           </p:cNvPr>
@@ -2801,7 +2801,7 @@
           <p:cNvPr id="3" name="文本占位符 2">
             <a:extLst>
               <a:ext uri="{FF2B5EF4-FFF2-40B4-BE49-F238E27FC236}">
-                <a16:creationId xmlns:a16="http://schemas.microsoft.com/office/drawing/2014/main" id="{B83EC56C-741B-E95A-2C68-EE31D0AC0F42}"/>
+                <a16:creationId xmlns:a16="http://schemas.microsoft.com/office/drawing/2014/main" id="{1F2DC3F6-DD6A-24EC-03FE-70E0F0C9ED5E}"/>
               </a:ext>
             </a:extLst>
           </p:cNvPr>
@@ -2868,7 +2868,7 @@
           <p:cNvPr id="4" name="日期占位符 3">
             <a:extLst>
               <a:ext uri="{FF2B5EF4-FFF2-40B4-BE49-F238E27FC236}">
-                <a16:creationId xmlns:a16="http://schemas.microsoft.com/office/drawing/2014/main" id="{C48763B9-2816-A5D7-F867-C12E9C01FAC4}"/>
+                <a16:creationId xmlns:a16="http://schemas.microsoft.com/office/drawing/2014/main" id="{36292183-D0C1-285D-A4D9-DC3B26795D8C}"/>
               </a:ext>
             </a:extLst>
           </p:cNvPr>
@@ -2902,7 +2902,7 @@
             </a:lvl1pPr>
           </a:lstStyle>
           <a:p>
-            <a:fld id="{6F983B52-73D4-4BCD-85B6-C2390CFBD652}" type="datetimeFigureOut">
+            <a:fld id="{D99A8537-7069-449B-BCB0-6E75D1D8FCBF}" type="datetimeFigureOut">
               <a:rPr lang="zh-CN" altLang="en-US" smtClean="0"/>
               <a:t>2024/3/10</a:t>
             </a:fld>
@@ -2915,7 +2915,7 @@
           <p:cNvPr id="5" name="页脚占位符 4">
             <a:extLst>
               <a:ext uri="{FF2B5EF4-FFF2-40B4-BE49-F238E27FC236}">
-                <a16:creationId xmlns:a16="http://schemas.microsoft.com/office/drawing/2014/main" id="{799BC9C1-A21C-362D-F8AB-2F9F1738FB89}"/>
+                <a16:creationId xmlns:a16="http://schemas.microsoft.com/office/drawing/2014/main" id="{D7B9EE47-C4C4-DF0A-BFFA-B4155AFC077E}"/>
               </a:ext>
             </a:extLst>
           </p:cNvPr>
@@ -2958,7 +2958,7 @@
           <p:cNvPr id="6" name="灯片编号占位符 5">
             <a:extLst>
               <a:ext uri="{FF2B5EF4-FFF2-40B4-BE49-F238E27FC236}">
-                <a16:creationId xmlns:a16="http://schemas.microsoft.com/office/drawing/2014/main" id="{18E1A15A-D6A5-491B-3C60-1465C14A1E54}"/>
+                <a16:creationId xmlns:a16="http://schemas.microsoft.com/office/drawing/2014/main" id="{BF6DDF76-A885-4BA7-4A09-D2A99B63F977}"/>
               </a:ext>
             </a:extLst>
           </p:cNvPr>
@@ -2992,7 +2992,7 @@
             </a:lvl1pPr>
           </a:lstStyle>
           <a:p>
-            <a:fld id="{BCD61BA5-9506-4CA1-9E9A-48B9A5BF305E}" type="slidenum">
+            <a:fld id="{130193C8-E2B5-4FA5-B962-BD671F2AD59C}" type="slidenum">
               <a:rPr lang="zh-CN" altLang="en-US" smtClean="0"/>
               <a:t>‹#›</a:t>
             </a:fld>
@@ -3003,7 +3003,7 @@
     </p:spTree>
     <p:extLst>
       <p:ext uri="{BB962C8B-B14F-4D97-AF65-F5344CB8AC3E}">
-        <p14:creationId xmlns:p14="http://schemas.microsoft.com/office/powerpoint/2010/main" val="565460509"/>
+        <p14:creationId xmlns:p14="http://schemas.microsoft.com/office/powerpoint/2010/main" val="3018695285"/>
       </p:ext>
     </p:extLst>
   </p:cSld>
